--- a/Presentation.pptx
+++ b/Presentation.pptx
@@ -8,19 +8,9 @@
     <p:sldId id="256" r:id="rId2"/>
     <p:sldId id="257" r:id="rId3"/>
     <p:sldId id="258" r:id="rId4"/>
-    <p:sldId id="259" r:id="rId5"/>
-    <p:sldId id="260" r:id="rId6"/>
-    <p:sldId id="261" r:id="rId7"/>
-    <p:sldId id="262" r:id="rId8"/>
-    <p:sldId id="263" r:id="rId9"/>
-    <p:sldId id="264" r:id="rId10"/>
-    <p:sldId id="265" r:id="rId11"/>
-    <p:sldId id="266" r:id="rId12"/>
-    <p:sldId id="267" r:id="rId13"/>
-    <p:sldId id="268" r:id="rId14"/>
   </p:sldIdLst>
   <p:notesMasterIdLst>
-    <p:notesMasterId r:id="rId15"/>
+    <p:notesMasterId r:id="rId5"/>
   </p:notesMasterIdLst>
   <p:sldSz cx="9144000" cy="5143500"/>
   <p:notesSz cx="5143500" cy="9144000"/>
@@ -556,358 +546,6 @@
 </p:notes>
 </file>
 
-<file path=ppt/notesSlides/notesSlide10.xml><?xml version="1.0" encoding="utf-8"?>
-<p:notes xmlns:a="http://schemas.openxmlformats.org/drawingml/2006/main" xmlns:r="http://schemas.openxmlformats.org/officeDocument/2006/relationships" xmlns:p="http://schemas.openxmlformats.org/presentationml/2006/main">
-  <p:cSld>
-    <p:spTree>
-      <p:nvGrpSpPr>
-        <p:cNvPr id="1" name=""/>
-        <p:cNvGrpSpPr/>
-        <p:nvPr/>
-      </p:nvGrpSpPr>
-      <p:grpSpPr>
-        <a:xfrm>
-          <a:off x="0" y="0"/>
-          <a:ext cx="0" cy="0"/>
-          <a:chOff x="0" y="0"/>
-          <a:chExt cx="0" cy="0"/>
-        </a:xfrm>
-      </p:grpSpPr>
-      <p:sp>
-        <p:nvSpPr>
-          <p:cNvPr id="2" name="Slide Image Placeholder 1"/>
-          <p:cNvSpPr>
-            <a:spLocks noGrp="1" noRot="1" noChangeAspect="1"/>
-          </p:cNvSpPr>
-          <p:nvPr>
-            <p:ph type="sldImg"/>
-          </p:nvPr>
-        </p:nvSpPr>
-        <p:spPr/>
-      </p:sp>
-      <p:sp>
-        <p:nvSpPr>
-          <p:cNvPr id="3" name="Notes Placeholder 2"/>
-          <p:cNvSpPr>
-            <a:spLocks noGrp="1"/>
-          </p:cNvSpPr>
-          <p:nvPr>
-            <p:ph type="body" idx="1"/>
-          </p:nvPr>
-        </p:nvSpPr>
-        <p:spPr/>
-        <p:txBody>
-          <a:bodyPr/>
-          <a:lstStyle/>
-          <a:p>
-            <a:r>
-              <a:rPr lang="en-US" dirty="0"/>
-              <a:t/>
-            </a:r>
-            <a:endParaRPr lang="en-US" dirty="0"/>
-          </a:p>
-        </p:txBody>
-      </p:sp>
-      <p:sp>
-        <p:nvSpPr>
-          <p:cNvPr id="4" name="Slide Number Placeholder 3"/>
-          <p:cNvSpPr>
-            <a:spLocks noGrp="1"/>
-          </p:cNvSpPr>
-          <p:nvPr>
-            <p:ph type="sldNum" sz="quarter" idx="10"/>
-          </p:nvPr>
-        </p:nvSpPr>
-        <p:spPr/>
-        <p:txBody>
-          <a:bodyPr/>
-          <a:lstStyle/>
-          <a:p>
-            <a:fld id="{F7021451-1387-4CA6-816F-3879F97B5CBC}" type="slidenum">
-              <a:rPr lang="en-US"/>
-              <a:t>10</a:t>
-            </a:fld>
-            <a:endParaRPr lang="en-US"/>
-          </a:p>
-        </p:txBody>
-      </p:sp>
-    </p:spTree>
-    <p:extLst>
-      <p:ext uri="{BB962C8B-B14F-4D97-AF65-F5344CB8AC3E}">
-        <p14:creationId xmlns:p14="http://schemas.microsoft.com/office/powerpoint/2010/main" val="1024086991"/>
-      </p:ext>
-    </p:extLst>
-  </p:cSld>
-  <p:clrMapOvr>
-    <a:masterClrMapping/>
-  </p:clrMapOvr>
-</p:notes>
-</file>
-
-<file path=ppt/notesSlides/notesSlide11.xml><?xml version="1.0" encoding="utf-8"?>
-<p:notes xmlns:a="http://schemas.openxmlformats.org/drawingml/2006/main" xmlns:r="http://schemas.openxmlformats.org/officeDocument/2006/relationships" xmlns:p="http://schemas.openxmlformats.org/presentationml/2006/main">
-  <p:cSld>
-    <p:spTree>
-      <p:nvGrpSpPr>
-        <p:cNvPr id="1" name=""/>
-        <p:cNvGrpSpPr/>
-        <p:nvPr/>
-      </p:nvGrpSpPr>
-      <p:grpSpPr>
-        <a:xfrm>
-          <a:off x="0" y="0"/>
-          <a:ext cx="0" cy="0"/>
-          <a:chOff x="0" y="0"/>
-          <a:chExt cx="0" cy="0"/>
-        </a:xfrm>
-      </p:grpSpPr>
-      <p:sp>
-        <p:nvSpPr>
-          <p:cNvPr id="2" name="Slide Image Placeholder 1"/>
-          <p:cNvSpPr>
-            <a:spLocks noGrp="1" noRot="1" noChangeAspect="1"/>
-          </p:cNvSpPr>
-          <p:nvPr>
-            <p:ph type="sldImg"/>
-          </p:nvPr>
-        </p:nvSpPr>
-        <p:spPr/>
-      </p:sp>
-      <p:sp>
-        <p:nvSpPr>
-          <p:cNvPr id="3" name="Notes Placeholder 2"/>
-          <p:cNvSpPr>
-            <a:spLocks noGrp="1"/>
-          </p:cNvSpPr>
-          <p:nvPr>
-            <p:ph type="body" idx="1"/>
-          </p:nvPr>
-        </p:nvSpPr>
-        <p:spPr/>
-        <p:txBody>
-          <a:bodyPr/>
-          <a:lstStyle/>
-          <a:p>
-            <a:r>
-              <a:rPr lang="en-US" dirty="0"/>
-              <a:t/>
-            </a:r>
-            <a:endParaRPr lang="en-US" dirty="0"/>
-          </a:p>
-        </p:txBody>
-      </p:sp>
-      <p:sp>
-        <p:nvSpPr>
-          <p:cNvPr id="4" name="Slide Number Placeholder 3"/>
-          <p:cNvSpPr>
-            <a:spLocks noGrp="1"/>
-          </p:cNvSpPr>
-          <p:nvPr>
-            <p:ph type="sldNum" sz="quarter" idx="10"/>
-          </p:nvPr>
-        </p:nvSpPr>
-        <p:spPr/>
-        <p:txBody>
-          <a:bodyPr/>
-          <a:lstStyle/>
-          <a:p>
-            <a:fld id="{F7021451-1387-4CA6-816F-3879F97B5CBC}" type="slidenum">
-              <a:rPr lang="en-US"/>
-              <a:t>11</a:t>
-            </a:fld>
-            <a:endParaRPr lang="en-US"/>
-          </a:p>
-        </p:txBody>
-      </p:sp>
-    </p:spTree>
-    <p:extLst>
-      <p:ext uri="{BB962C8B-B14F-4D97-AF65-F5344CB8AC3E}">
-        <p14:creationId xmlns:p14="http://schemas.microsoft.com/office/powerpoint/2010/main" val="1024086991"/>
-      </p:ext>
-    </p:extLst>
-  </p:cSld>
-  <p:clrMapOvr>
-    <a:masterClrMapping/>
-  </p:clrMapOvr>
-</p:notes>
-</file>
-
-<file path=ppt/notesSlides/notesSlide12.xml><?xml version="1.0" encoding="utf-8"?>
-<p:notes xmlns:a="http://schemas.openxmlformats.org/drawingml/2006/main" xmlns:r="http://schemas.openxmlformats.org/officeDocument/2006/relationships" xmlns:p="http://schemas.openxmlformats.org/presentationml/2006/main">
-  <p:cSld>
-    <p:spTree>
-      <p:nvGrpSpPr>
-        <p:cNvPr id="1" name=""/>
-        <p:cNvGrpSpPr/>
-        <p:nvPr/>
-      </p:nvGrpSpPr>
-      <p:grpSpPr>
-        <a:xfrm>
-          <a:off x="0" y="0"/>
-          <a:ext cx="0" cy="0"/>
-          <a:chOff x="0" y="0"/>
-          <a:chExt cx="0" cy="0"/>
-        </a:xfrm>
-      </p:grpSpPr>
-      <p:sp>
-        <p:nvSpPr>
-          <p:cNvPr id="2" name="Slide Image Placeholder 1"/>
-          <p:cNvSpPr>
-            <a:spLocks noGrp="1" noRot="1" noChangeAspect="1"/>
-          </p:cNvSpPr>
-          <p:nvPr>
-            <p:ph type="sldImg"/>
-          </p:nvPr>
-        </p:nvSpPr>
-        <p:spPr/>
-      </p:sp>
-      <p:sp>
-        <p:nvSpPr>
-          <p:cNvPr id="3" name="Notes Placeholder 2"/>
-          <p:cNvSpPr>
-            <a:spLocks noGrp="1"/>
-          </p:cNvSpPr>
-          <p:nvPr>
-            <p:ph type="body" idx="1"/>
-          </p:nvPr>
-        </p:nvSpPr>
-        <p:spPr/>
-        <p:txBody>
-          <a:bodyPr/>
-          <a:lstStyle/>
-          <a:p>
-            <a:r>
-              <a:rPr lang="en-US" dirty="0"/>
-              <a:t/>
-            </a:r>
-            <a:endParaRPr lang="en-US" dirty="0"/>
-          </a:p>
-        </p:txBody>
-      </p:sp>
-      <p:sp>
-        <p:nvSpPr>
-          <p:cNvPr id="4" name="Slide Number Placeholder 3"/>
-          <p:cNvSpPr>
-            <a:spLocks noGrp="1"/>
-          </p:cNvSpPr>
-          <p:nvPr>
-            <p:ph type="sldNum" sz="quarter" idx="10"/>
-          </p:nvPr>
-        </p:nvSpPr>
-        <p:spPr/>
-        <p:txBody>
-          <a:bodyPr/>
-          <a:lstStyle/>
-          <a:p>
-            <a:fld id="{F7021451-1387-4CA6-816F-3879F97B5CBC}" type="slidenum">
-              <a:rPr lang="en-US"/>
-              <a:t>12</a:t>
-            </a:fld>
-            <a:endParaRPr lang="en-US"/>
-          </a:p>
-        </p:txBody>
-      </p:sp>
-    </p:spTree>
-    <p:extLst>
-      <p:ext uri="{BB962C8B-B14F-4D97-AF65-F5344CB8AC3E}">
-        <p14:creationId xmlns:p14="http://schemas.microsoft.com/office/powerpoint/2010/main" val="1024086991"/>
-      </p:ext>
-    </p:extLst>
-  </p:cSld>
-  <p:clrMapOvr>
-    <a:masterClrMapping/>
-  </p:clrMapOvr>
-</p:notes>
-</file>
-
-<file path=ppt/notesSlides/notesSlide13.xml><?xml version="1.0" encoding="utf-8"?>
-<p:notes xmlns:a="http://schemas.openxmlformats.org/drawingml/2006/main" xmlns:r="http://schemas.openxmlformats.org/officeDocument/2006/relationships" xmlns:p="http://schemas.openxmlformats.org/presentationml/2006/main">
-  <p:cSld>
-    <p:spTree>
-      <p:nvGrpSpPr>
-        <p:cNvPr id="1" name=""/>
-        <p:cNvGrpSpPr/>
-        <p:nvPr/>
-      </p:nvGrpSpPr>
-      <p:grpSpPr>
-        <a:xfrm>
-          <a:off x="0" y="0"/>
-          <a:ext cx="0" cy="0"/>
-          <a:chOff x="0" y="0"/>
-          <a:chExt cx="0" cy="0"/>
-        </a:xfrm>
-      </p:grpSpPr>
-      <p:sp>
-        <p:nvSpPr>
-          <p:cNvPr id="2" name="Slide Image Placeholder 1"/>
-          <p:cNvSpPr>
-            <a:spLocks noGrp="1" noRot="1" noChangeAspect="1"/>
-          </p:cNvSpPr>
-          <p:nvPr>
-            <p:ph type="sldImg"/>
-          </p:nvPr>
-        </p:nvSpPr>
-        <p:spPr/>
-      </p:sp>
-      <p:sp>
-        <p:nvSpPr>
-          <p:cNvPr id="3" name="Notes Placeholder 2"/>
-          <p:cNvSpPr>
-            <a:spLocks noGrp="1"/>
-          </p:cNvSpPr>
-          <p:nvPr>
-            <p:ph type="body" idx="1"/>
-          </p:nvPr>
-        </p:nvSpPr>
-        <p:spPr/>
-        <p:txBody>
-          <a:bodyPr/>
-          <a:lstStyle/>
-          <a:p>
-            <a:r>
-              <a:rPr lang="en-US" dirty="0"/>
-              <a:t/>
-            </a:r>
-            <a:endParaRPr lang="en-US" dirty="0"/>
-          </a:p>
-        </p:txBody>
-      </p:sp>
-      <p:sp>
-        <p:nvSpPr>
-          <p:cNvPr id="4" name="Slide Number Placeholder 3"/>
-          <p:cNvSpPr>
-            <a:spLocks noGrp="1"/>
-          </p:cNvSpPr>
-          <p:nvPr>
-            <p:ph type="sldNum" sz="quarter" idx="10"/>
-          </p:nvPr>
-        </p:nvSpPr>
-        <p:spPr/>
-        <p:txBody>
-          <a:bodyPr/>
-          <a:lstStyle/>
-          <a:p>
-            <a:fld id="{F7021451-1387-4CA6-816F-3879F97B5CBC}" type="slidenum">
-              <a:rPr lang="en-US"/>
-              <a:t>13</a:t>
-            </a:fld>
-            <a:endParaRPr lang="en-US"/>
-          </a:p>
-        </p:txBody>
-      </p:sp>
-    </p:spTree>
-    <p:extLst>
-      <p:ext uri="{BB962C8B-B14F-4D97-AF65-F5344CB8AC3E}">
-        <p14:creationId xmlns:p14="http://schemas.microsoft.com/office/powerpoint/2010/main" val="1024086991"/>
-      </p:ext>
-    </p:extLst>
-  </p:cSld>
-  <p:clrMapOvr>
-    <a:masterClrMapping/>
-  </p:clrMapOvr>
-</p:notes>
-</file>
-
 <file path=ppt/notesSlides/notesSlide2.xml><?xml version="1.0" encoding="utf-8"?>
 <p:notes xmlns:a="http://schemas.openxmlformats.org/drawingml/2006/main" xmlns:r="http://schemas.openxmlformats.org/officeDocument/2006/relationships" xmlns:p="http://schemas.openxmlformats.org/presentationml/2006/main">
   <p:cSld>
@@ -1066,534 +704,6 @@
             <a:fld id="{F7021451-1387-4CA6-816F-3879F97B5CBC}" type="slidenum">
               <a:rPr lang="en-US"/>
               <a:t>3</a:t>
-            </a:fld>
-            <a:endParaRPr lang="en-US"/>
-          </a:p>
-        </p:txBody>
-      </p:sp>
-    </p:spTree>
-    <p:extLst>
-      <p:ext uri="{BB962C8B-B14F-4D97-AF65-F5344CB8AC3E}">
-        <p14:creationId xmlns:p14="http://schemas.microsoft.com/office/powerpoint/2010/main" val="1024086991"/>
-      </p:ext>
-    </p:extLst>
-  </p:cSld>
-  <p:clrMapOvr>
-    <a:masterClrMapping/>
-  </p:clrMapOvr>
-</p:notes>
-</file>
-
-<file path=ppt/notesSlides/notesSlide4.xml><?xml version="1.0" encoding="utf-8"?>
-<p:notes xmlns:a="http://schemas.openxmlformats.org/drawingml/2006/main" xmlns:r="http://schemas.openxmlformats.org/officeDocument/2006/relationships" xmlns:p="http://schemas.openxmlformats.org/presentationml/2006/main">
-  <p:cSld>
-    <p:spTree>
-      <p:nvGrpSpPr>
-        <p:cNvPr id="1" name=""/>
-        <p:cNvGrpSpPr/>
-        <p:nvPr/>
-      </p:nvGrpSpPr>
-      <p:grpSpPr>
-        <a:xfrm>
-          <a:off x="0" y="0"/>
-          <a:ext cx="0" cy="0"/>
-          <a:chOff x="0" y="0"/>
-          <a:chExt cx="0" cy="0"/>
-        </a:xfrm>
-      </p:grpSpPr>
-      <p:sp>
-        <p:nvSpPr>
-          <p:cNvPr id="2" name="Slide Image Placeholder 1"/>
-          <p:cNvSpPr>
-            <a:spLocks noGrp="1" noRot="1" noChangeAspect="1"/>
-          </p:cNvSpPr>
-          <p:nvPr>
-            <p:ph type="sldImg"/>
-          </p:nvPr>
-        </p:nvSpPr>
-        <p:spPr/>
-      </p:sp>
-      <p:sp>
-        <p:nvSpPr>
-          <p:cNvPr id="3" name="Notes Placeholder 2"/>
-          <p:cNvSpPr>
-            <a:spLocks noGrp="1"/>
-          </p:cNvSpPr>
-          <p:nvPr>
-            <p:ph type="body" idx="1"/>
-          </p:nvPr>
-        </p:nvSpPr>
-        <p:spPr/>
-        <p:txBody>
-          <a:bodyPr/>
-          <a:lstStyle/>
-          <a:p>
-            <a:r>
-              <a:rPr lang="en-US" dirty="0"/>
-              <a:t/>
-            </a:r>
-            <a:endParaRPr lang="en-US" dirty="0"/>
-          </a:p>
-        </p:txBody>
-      </p:sp>
-      <p:sp>
-        <p:nvSpPr>
-          <p:cNvPr id="4" name="Slide Number Placeholder 3"/>
-          <p:cNvSpPr>
-            <a:spLocks noGrp="1"/>
-          </p:cNvSpPr>
-          <p:nvPr>
-            <p:ph type="sldNum" sz="quarter" idx="10"/>
-          </p:nvPr>
-        </p:nvSpPr>
-        <p:spPr/>
-        <p:txBody>
-          <a:bodyPr/>
-          <a:lstStyle/>
-          <a:p>
-            <a:fld id="{F7021451-1387-4CA6-816F-3879F97B5CBC}" type="slidenum">
-              <a:rPr lang="en-US"/>
-              <a:t>4</a:t>
-            </a:fld>
-            <a:endParaRPr lang="en-US"/>
-          </a:p>
-        </p:txBody>
-      </p:sp>
-    </p:spTree>
-    <p:extLst>
-      <p:ext uri="{BB962C8B-B14F-4D97-AF65-F5344CB8AC3E}">
-        <p14:creationId xmlns:p14="http://schemas.microsoft.com/office/powerpoint/2010/main" val="1024086991"/>
-      </p:ext>
-    </p:extLst>
-  </p:cSld>
-  <p:clrMapOvr>
-    <a:masterClrMapping/>
-  </p:clrMapOvr>
-</p:notes>
-</file>
-
-<file path=ppt/notesSlides/notesSlide5.xml><?xml version="1.0" encoding="utf-8"?>
-<p:notes xmlns:a="http://schemas.openxmlformats.org/drawingml/2006/main" xmlns:r="http://schemas.openxmlformats.org/officeDocument/2006/relationships" xmlns:p="http://schemas.openxmlformats.org/presentationml/2006/main">
-  <p:cSld>
-    <p:spTree>
-      <p:nvGrpSpPr>
-        <p:cNvPr id="1" name=""/>
-        <p:cNvGrpSpPr/>
-        <p:nvPr/>
-      </p:nvGrpSpPr>
-      <p:grpSpPr>
-        <a:xfrm>
-          <a:off x="0" y="0"/>
-          <a:ext cx="0" cy="0"/>
-          <a:chOff x="0" y="0"/>
-          <a:chExt cx="0" cy="0"/>
-        </a:xfrm>
-      </p:grpSpPr>
-      <p:sp>
-        <p:nvSpPr>
-          <p:cNvPr id="2" name="Slide Image Placeholder 1"/>
-          <p:cNvSpPr>
-            <a:spLocks noGrp="1" noRot="1" noChangeAspect="1"/>
-          </p:cNvSpPr>
-          <p:nvPr>
-            <p:ph type="sldImg"/>
-          </p:nvPr>
-        </p:nvSpPr>
-        <p:spPr/>
-      </p:sp>
-      <p:sp>
-        <p:nvSpPr>
-          <p:cNvPr id="3" name="Notes Placeholder 2"/>
-          <p:cNvSpPr>
-            <a:spLocks noGrp="1"/>
-          </p:cNvSpPr>
-          <p:nvPr>
-            <p:ph type="body" idx="1"/>
-          </p:nvPr>
-        </p:nvSpPr>
-        <p:spPr/>
-        <p:txBody>
-          <a:bodyPr/>
-          <a:lstStyle/>
-          <a:p>
-            <a:r>
-              <a:rPr lang="en-US" dirty="0"/>
-              <a:t/>
-            </a:r>
-            <a:endParaRPr lang="en-US" dirty="0"/>
-          </a:p>
-        </p:txBody>
-      </p:sp>
-      <p:sp>
-        <p:nvSpPr>
-          <p:cNvPr id="4" name="Slide Number Placeholder 3"/>
-          <p:cNvSpPr>
-            <a:spLocks noGrp="1"/>
-          </p:cNvSpPr>
-          <p:nvPr>
-            <p:ph type="sldNum" sz="quarter" idx="10"/>
-          </p:nvPr>
-        </p:nvSpPr>
-        <p:spPr/>
-        <p:txBody>
-          <a:bodyPr/>
-          <a:lstStyle/>
-          <a:p>
-            <a:fld id="{F7021451-1387-4CA6-816F-3879F97B5CBC}" type="slidenum">
-              <a:rPr lang="en-US"/>
-              <a:t>5</a:t>
-            </a:fld>
-            <a:endParaRPr lang="en-US"/>
-          </a:p>
-        </p:txBody>
-      </p:sp>
-    </p:spTree>
-    <p:extLst>
-      <p:ext uri="{BB962C8B-B14F-4D97-AF65-F5344CB8AC3E}">
-        <p14:creationId xmlns:p14="http://schemas.microsoft.com/office/powerpoint/2010/main" val="1024086991"/>
-      </p:ext>
-    </p:extLst>
-  </p:cSld>
-  <p:clrMapOvr>
-    <a:masterClrMapping/>
-  </p:clrMapOvr>
-</p:notes>
-</file>
-
-<file path=ppt/notesSlides/notesSlide6.xml><?xml version="1.0" encoding="utf-8"?>
-<p:notes xmlns:a="http://schemas.openxmlformats.org/drawingml/2006/main" xmlns:r="http://schemas.openxmlformats.org/officeDocument/2006/relationships" xmlns:p="http://schemas.openxmlformats.org/presentationml/2006/main">
-  <p:cSld>
-    <p:spTree>
-      <p:nvGrpSpPr>
-        <p:cNvPr id="1" name=""/>
-        <p:cNvGrpSpPr/>
-        <p:nvPr/>
-      </p:nvGrpSpPr>
-      <p:grpSpPr>
-        <a:xfrm>
-          <a:off x="0" y="0"/>
-          <a:ext cx="0" cy="0"/>
-          <a:chOff x="0" y="0"/>
-          <a:chExt cx="0" cy="0"/>
-        </a:xfrm>
-      </p:grpSpPr>
-      <p:sp>
-        <p:nvSpPr>
-          <p:cNvPr id="2" name="Slide Image Placeholder 1"/>
-          <p:cNvSpPr>
-            <a:spLocks noGrp="1" noRot="1" noChangeAspect="1"/>
-          </p:cNvSpPr>
-          <p:nvPr>
-            <p:ph type="sldImg"/>
-          </p:nvPr>
-        </p:nvSpPr>
-        <p:spPr/>
-      </p:sp>
-      <p:sp>
-        <p:nvSpPr>
-          <p:cNvPr id="3" name="Notes Placeholder 2"/>
-          <p:cNvSpPr>
-            <a:spLocks noGrp="1"/>
-          </p:cNvSpPr>
-          <p:nvPr>
-            <p:ph type="body" idx="1"/>
-          </p:nvPr>
-        </p:nvSpPr>
-        <p:spPr/>
-        <p:txBody>
-          <a:bodyPr/>
-          <a:lstStyle/>
-          <a:p>
-            <a:r>
-              <a:rPr lang="en-US" dirty="0"/>
-              <a:t/>
-            </a:r>
-            <a:endParaRPr lang="en-US" dirty="0"/>
-          </a:p>
-        </p:txBody>
-      </p:sp>
-      <p:sp>
-        <p:nvSpPr>
-          <p:cNvPr id="4" name="Slide Number Placeholder 3"/>
-          <p:cNvSpPr>
-            <a:spLocks noGrp="1"/>
-          </p:cNvSpPr>
-          <p:nvPr>
-            <p:ph type="sldNum" sz="quarter" idx="10"/>
-          </p:nvPr>
-        </p:nvSpPr>
-        <p:spPr/>
-        <p:txBody>
-          <a:bodyPr/>
-          <a:lstStyle/>
-          <a:p>
-            <a:fld id="{F7021451-1387-4CA6-816F-3879F97B5CBC}" type="slidenum">
-              <a:rPr lang="en-US"/>
-              <a:t>6</a:t>
-            </a:fld>
-            <a:endParaRPr lang="en-US"/>
-          </a:p>
-        </p:txBody>
-      </p:sp>
-    </p:spTree>
-    <p:extLst>
-      <p:ext uri="{BB962C8B-B14F-4D97-AF65-F5344CB8AC3E}">
-        <p14:creationId xmlns:p14="http://schemas.microsoft.com/office/powerpoint/2010/main" val="1024086991"/>
-      </p:ext>
-    </p:extLst>
-  </p:cSld>
-  <p:clrMapOvr>
-    <a:masterClrMapping/>
-  </p:clrMapOvr>
-</p:notes>
-</file>
-
-<file path=ppt/notesSlides/notesSlide7.xml><?xml version="1.0" encoding="utf-8"?>
-<p:notes xmlns:a="http://schemas.openxmlformats.org/drawingml/2006/main" xmlns:r="http://schemas.openxmlformats.org/officeDocument/2006/relationships" xmlns:p="http://schemas.openxmlformats.org/presentationml/2006/main">
-  <p:cSld>
-    <p:spTree>
-      <p:nvGrpSpPr>
-        <p:cNvPr id="1" name=""/>
-        <p:cNvGrpSpPr/>
-        <p:nvPr/>
-      </p:nvGrpSpPr>
-      <p:grpSpPr>
-        <a:xfrm>
-          <a:off x="0" y="0"/>
-          <a:ext cx="0" cy="0"/>
-          <a:chOff x="0" y="0"/>
-          <a:chExt cx="0" cy="0"/>
-        </a:xfrm>
-      </p:grpSpPr>
-      <p:sp>
-        <p:nvSpPr>
-          <p:cNvPr id="2" name="Slide Image Placeholder 1"/>
-          <p:cNvSpPr>
-            <a:spLocks noGrp="1" noRot="1" noChangeAspect="1"/>
-          </p:cNvSpPr>
-          <p:nvPr>
-            <p:ph type="sldImg"/>
-          </p:nvPr>
-        </p:nvSpPr>
-        <p:spPr/>
-      </p:sp>
-      <p:sp>
-        <p:nvSpPr>
-          <p:cNvPr id="3" name="Notes Placeholder 2"/>
-          <p:cNvSpPr>
-            <a:spLocks noGrp="1"/>
-          </p:cNvSpPr>
-          <p:nvPr>
-            <p:ph type="body" idx="1"/>
-          </p:nvPr>
-        </p:nvSpPr>
-        <p:spPr/>
-        <p:txBody>
-          <a:bodyPr/>
-          <a:lstStyle/>
-          <a:p>
-            <a:r>
-              <a:rPr lang="en-US" dirty="0"/>
-              <a:t/>
-            </a:r>
-            <a:endParaRPr lang="en-US" dirty="0"/>
-          </a:p>
-        </p:txBody>
-      </p:sp>
-      <p:sp>
-        <p:nvSpPr>
-          <p:cNvPr id="4" name="Slide Number Placeholder 3"/>
-          <p:cNvSpPr>
-            <a:spLocks noGrp="1"/>
-          </p:cNvSpPr>
-          <p:nvPr>
-            <p:ph type="sldNum" sz="quarter" idx="10"/>
-          </p:nvPr>
-        </p:nvSpPr>
-        <p:spPr/>
-        <p:txBody>
-          <a:bodyPr/>
-          <a:lstStyle/>
-          <a:p>
-            <a:fld id="{F7021451-1387-4CA6-816F-3879F97B5CBC}" type="slidenum">
-              <a:rPr lang="en-US"/>
-              <a:t>7</a:t>
-            </a:fld>
-            <a:endParaRPr lang="en-US"/>
-          </a:p>
-        </p:txBody>
-      </p:sp>
-    </p:spTree>
-    <p:extLst>
-      <p:ext uri="{BB962C8B-B14F-4D97-AF65-F5344CB8AC3E}">
-        <p14:creationId xmlns:p14="http://schemas.microsoft.com/office/powerpoint/2010/main" val="1024086991"/>
-      </p:ext>
-    </p:extLst>
-  </p:cSld>
-  <p:clrMapOvr>
-    <a:masterClrMapping/>
-  </p:clrMapOvr>
-</p:notes>
-</file>
-
-<file path=ppt/notesSlides/notesSlide8.xml><?xml version="1.0" encoding="utf-8"?>
-<p:notes xmlns:a="http://schemas.openxmlformats.org/drawingml/2006/main" xmlns:r="http://schemas.openxmlformats.org/officeDocument/2006/relationships" xmlns:p="http://schemas.openxmlformats.org/presentationml/2006/main">
-  <p:cSld>
-    <p:spTree>
-      <p:nvGrpSpPr>
-        <p:cNvPr id="1" name=""/>
-        <p:cNvGrpSpPr/>
-        <p:nvPr/>
-      </p:nvGrpSpPr>
-      <p:grpSpPr>
-        <a:xfrm>
-          <a:off x="0" y="0"/>
-          <a:ext cx="0" cy="0"/>
-          <a:chOff x="0" y="0"/>
-          <a:chExt cx="0" cy="0"/>
-        </a:xfrm>
-      </p:grpSpPr>
-      <p:sp>
-        <p:nvSpPr>
-          <p:cNvPr id="2" name="Slide Image Placeholder 1"/>
-          <p:cNvSpPr>
-            <a:spLocks noGrp="1" noRot="1" noChangeAspect="1"/>
-          </p:cNvSpPr>
-          <p:nvPr>
-            <p:ph type="sldImg"/>
-          </p:nvPr>
-        </p:nvSpPr>
-        <p:spPr/>
-      </p:sp>
-      <p:sp>
-        <p:nvSpPr>
-          <p:cNvPr id="3" name="Notes Placeholder 2"/>
-          <p:cNvSpPr>
-            <a:spLocks noGrp="1"/>
-          </p:cNvSpPr>
-          <p:nvPr>
-            <p:ph type="body" idx="1"/>
-          </p:nvPr>
-        </p:nvSpPr>
-        <p:spPr/>
-        <p:txBody>
-          <a:bodyPr/>
-          <a:lstStyle/>
-          <a:p>
-            <a:r>
-              <a:rPr lang="en-US" dirty="0"/>
-              <a:t/>
-            </a:r>
-            <a:endParaRPr lang="en-US" dirty="0"/>
-          </a:p>
-        </p:txBody>
-      </p:sp>
-      <p:sp>
-        <p:nvSpPr>
-          <p:cNvPr id="4" name="Slide Number Placeholder 3"/>
-          <p:cNvSpPr>
-            <a:spLocks noGrp="1"/>
-          </p:cNvSpPr>
-          <p:nvPr>
-            <p:ph type="sldNum" sz="quarter" idx="10"/>
-          </p:nvPr>
-        </p:nvSpPr>
-        <p:spPr/>
-        <p:txBody>
-          <a:bodyPr/>
-          <a:lstStyle/>
-          <a:p>
-            <a:fld id="{F7021451-1387-4CA6-816F-3879F97B5CBC}" type="slidenum">
-              <a:rPr lang="en-US"/>
-              <a:t>8</a:t>
-            </a:fld>
-            <a:endParaRPr lang="en-US"/>
-          </a:p>
-        </p:txBody>
-      </p:sp>
-    </p:spTree>
-    <p:extLst>
-      <p:ext uri="{BB962C8B-B14F-4D97-AF65-F5344CB8AC3E}">
-        <p14:creationId xmlns:p14="http://schemas.microsoft.com/office/powerpoint/2010/main" val="1024086991"/>
-      </p:ext>
-    </p:extLst>
-  </p:cSld>
-  <p:clrMapOvr>
-    <a:masterClrMapping/>
-  </p:clrMapOvr>
-</p:notes>
-</file>
-
-<file path=ppt/notesSlides/notesSlide9.xml><?xml version="1.0" encoding="utf-8"?>
-<p:notes xmlns:a="http://schemas.openxmlformats.org/drawingml/2006/main" xmlns:r="http://schemas.openxmlformats.org/officeDocument/2006/relationships" xmlns:p="http://schemas.openxmlformats.org/presentationml/2006/main">
-  <p:cSld>
-    <p:spTree>
-      <p:nvGrpSpPr>
-        <p:cNvPr id="1" name=""/>
-        <p:cNvGrpSpPr/>
-        <p:nvPr/>
-      </p:nvGrpSpPr>
-      <p:grpSpPr>
-        <a:xfrm>
-          <a:off x="0" y="0"/>
-          <a:ext cx="0" cy="0"/>
-          <a:chOff x="0" y="0"/>
-          <a:chExt cx="0" cy="0"/>
-        </a:xfrm>
-      </p:grpSpPr>
-      <p:sp>
-        <p:nvSpPr>
-          <p:cNvPr id="2" name="Slide Image Placeholder 1"/>
-          <p:cNvSpPr>
-            <a:spLocks noGrp="1" noRot="1" noChangeAspect="1"/>
-          </p:cNvSpPr>
-          <p:nvPr>
-            <p:ph type="sldImg"/>
-          </p:nvPr>
-        </p:nvSpPr>
-        <p:spPr/>
-      </p:sp>
-      <p:sp>
-        <p:nvSpPr>
-          <p:cNvPr id="3" name="Notes Placeholder 2"/>
-          <p:cNvSpPr>
-            <a:spLocks noGrp="1"/>
-          </p:cNvSpPr>
-          <p:nvPr>
-            <p:ph type="body" idx="1"/>
-          </p:nvPr>
-        </p:nvSpPr>
-        <p:spPr/>
-        <p:txBody>
-          <a:bodyPr/>
-          <a:lstStyle/>
-          <a:p>
-            <a:r>
-              <a:rPr lang="en-US" dirty="0"/>
-              <a:t/>
-            </a:r>
-            <a:endParaRPr lang="en-US" dirty="0"/>
-          </a:p>
-        </p:txBody>
-      </p:sp>
-      <p:sp>
-        <p:nvSpPr>
-          <p:cNvPr id="4" name="Slide Number Placeholder 3"/>
-          <p:cNvSpPr>
-            <a:spLocks noGrp="1"/>
-          </p:cNvSpPr>
-          <p:nvPr>
-            <p:ph type="sldNum" sz="quarter" idx="10"/>
-          </p:nvPr>
-        </p:nvSpPr>
-        <p:spPr/>
-        <p:txBody>
-          <a:bodyPr/>
-          <a:lstStyle/>
-          <a:p>
-            <a:fld id="{F7021451-1387-4CA6-816F-3879F97B5CBC}" type="slidenum">
-              <a:rPr lang="en-US"/>
-              <a:t>9</a:t>
             </a:fld>
             <a:endParaRPr lang="en-US"/>
           </a:p>
@@ -1945,7 +1055,7 @@
         <p:spPr>
           <a:xfrm>
             <a:off x="0" y="0"/>
-            <a:ext cx="6858000" cy="0"/>
+            <a:ext cx="9144000" cy="1371600"/>
           </a:xfrm>
           <a:prstGeom prst="rect">
             <a:avLst/>
@@ -1957,45 +1067,21 @@
           <a:bodyPr wrap="square" rtlCol="0" anchor="ctr"/>
           <a:lstStyle/>
           <a:p>
-            <a:endParaRPr lang="en-US" dirty="0"/>
-          </a:p>
-        </p:txBody>
-      </p:sp>
-    </p:spTree>
-  </p:cSld>
-  <p:clrMapOvr>
-    <a:masterClrMapping/>
-  </p:clrMapOvr>
-</p:sld>
-</file>
-
-<file path=ppt/slides/slide10.xml><?xml version="1.0" encoding="utf-8"?>
-<p:sld xmlns:a="http://schemas.openxmlformats.org/drawingml/2006/main" xmlns:r="http://schemas.openxmlformats.org/officeDocument/2006/relationships" xmlns:p="http://schemas.openxmlformats.org/presentationml/2006/main">
-  <p:cSld name="Slide 10">
-    <p:spTree>
-      <p:nvGrpSpPr>
-        <p:cNvPr id="1" name=""/>
-        <p:cNvGrpSpPr/>
-        <p:nvPr/>
-      </p:nvGrpSpPr>
-      <p:grpSpPr>
-        <a:xfrm>
-          <a:off x="0" y="0"/>
-          <a:ext cx="0" cy="0"/>
-          <a:chOff x="0" y="0"/>
-          <a:chExt cx="0" cy="0"/>
-        </a:xfrm>
-      </p:grpSpPr>
-      <p:sp>
-        <p:nvSpPr>
-          <p:cNvPr id="2" name="Text 0"/>
+            <a:pPr algn="ctr"/>
+            <a:endParaRPr lang="en-US" sz="2500" dirty="0"/>
+          </a:p>
+        </p:txBody>
+      </p:sp>
+      <p:sp>
+        <p:nvSpPr>
+          <p:cNvPr id="3" name="Text 1"/>
           <p:cNvSpPr/>
           <p:nvPr/>
         </p:nvSpPr>
         <p:spPr>
           <a:xfrm>
-            <a:off x="0" y="0"/>
-            <a:ext cx="6858000" cy="0"/>
+            <a:off x="0" y="228600"/>
+            <a:ext cx="9144000" cy="1371600"/>
           </a:xfrm>
           <a:prstGeom prst="rect">
             <a:avLst/>
@@ -2007,45 +1093,21 @@
           <a:bodyPr wrap="square" rtlCol="0" anchor="ctr"/>
           <a:lstStyle/>
           <a:p>
-            <a:endParaRPr lang="en-US" dirty="0"/>
-          </a:p>
-        </p:txBody>
-      </p:sp>
-    </p:spTree>
-  </p:cSld>
-  <p:clrMapOvr>
-    <a:masterClrMapping/>
-  </p:clrMapOvr>
-</p:sld>
-</file>
-
-<file path=ppt/slides/slide11.xml><?xml version="1.0" encoding="utf-8"?>
-<p:sld xmlns:a="http://schemas.openxmlformats.org/drawingml/2006/main" xmlns:r="http://schemas.openxmlformats.org/officeDocument/2006/relationships" xmlns:p="http://schemas.openxmlformats.org/presentationml/2006/main">
-  <p:cSld name="Slide 11">
-    <p:spTree>
-      <p:nvGrpSpPr>
-        <p:cNvPr id="1" name=""/>
-        <p:cNvGrpSpPr/>
-        <p:nvPr/>
-      </p:nvGrpSpPr>
-      <p:grpSpPr>
-        <a:xfrm>
-          <a:off x="0" y="0"/>
-          <a:ext cx="0" cy="0"/>
-          <a:chOff x="0" y="0"/>
-          <a:chExt cx="0" cy="0"/>
-        </a:xfrm>
-      </p:grpSpPr>
-      <p:sp>
-        <p:nvSpPr>
-          <p:cNvPr id="2" name="Text 0"/>
+            <a:pPr algn="ctr"/>
+            <a:endParaRPr lang="en-US" sz="2500" dirty="0"/>
+          </a:p>
+        </p:txBody>
+      </p:sp>
+      <p:sp>
+        <p:nvSpPr>
+          <p:cNvPr id="4" name="Text 2"/>
           <p:cNvSpPr/>
           <p:nvPr/>
         </p:nvSpPr>
         <p:spPr>
           <a:xfrm>
-            <a:off x="0" y="0"/>
-            <a:ext cx="6858000" cy="0"/>
+            <a:off x="0" y="457200"/>
+            <a:ext cx="9144000" cy="457200"/>
           </a:xfrm>
           <a:prstGeom prst="rect">
             <a:avLst/>
@@ -2057,53 +1119,29 @@
           <a:bodyPr wrap="square" rtlCol="0" anchor="ctr"/>
           <a:lstStyle/>
           <a:p>
+            <a:pPr algn="ctr"/>
             <a:r>
-              <a:rPr lang="en-US" dirty="0">
+              <a:rPr lang="en-US" sz="5500" dirty="0">
                 <a:solidFill>
                   <a:srgbClr val="000000"/>
                 </a:solidFill>
               </a:rPr>
-              <a:t>You can convert into PDF slide deck through Chrome.</a:t>
+              <a:t># Hello, Marpit!</a:t>
             </a:r>
-            <a:endParaRPr lang="en-US" dirty="0"/>
-          </a:p>
-        </p:txBody>
-      </p:sp>
-    </p:spTree>
-  </p:cSld>
-  <p:clrMapOvr>
-    <a:masterClrMapping/>
-  </p:clrMapOvr>
-</p:sld>
-</file>
-
-<file path=ppt/slides/slide12.xml><?xml version="1.0" encoding="utf-8"?>
-<p:sld xmlns:a="http://schemas.openxmlformats.org/drawingml/2006/main" xmlns:r="http://schemas.openxmlformats.org/officeDocument/2006/relationships" xmlns:p="http://schemas.openxmlformats.org/presentationml/2006/main">
-  <p:cSld name="Slide 12">
-    <p:spTree>
-      <p:nvGrpSpPr>
-        <p:cNvPr id="1" name=""/>
-        <p:cNvGrpSpPr/>
-        <p:nvPr/>
-      </p:nvGrpSpPr>
-      <p:grpSpPr>
-        <a:xfrm>
-          <a:off x="0" y="0"/>
-          <a:ext cx="0" cy="0"/>
-          <a:chOff x="0" y="0"/>
-          <a:chExt cx="0" cy="0"/>
-        </a:xfrm>
-      </p:grpSpPr>
-      <p:sp>
-        <p:nvSpPr>
-          <p:cNvPr id="2" name="Text 0"/>
+            <a:endParaRPr lang="en-US" sz="5500" dirty="0"/>
+          </a:p>
+        </p:txBody>
+      </p:sp>
+      <p:sp>
+        <p:nvSpPr>
+          <p:cNvPr id="5" name="Text 3"/>
           <p:cNvSpPr/>
           <p:nvPr/>
         </p:nvSpPr>
         <p:spPr>
           <a:xfrm>
-            <a:off x="0" y="0"/>
-            <a:ext cx="6858000" cy="0"/>
+            <a:off x="0" y="685800"/>
+            <a:ext cx="9144000" cy="1371600"/>
           </a:xfrm>
           <a:prstGeom prst="rect">
             <a:avLst/>
@@ -2115,45 +1153,21 @@
           <a:bodyPr wrap="square" rtlCol="0" anchor="ctr"/>
           <a:lstStyle/>
           <a:p>
-            <a:endParaRPr lang="en-US" dirty="0"/>
-          </a:p>
-        </p:txBody>
-      </p:sp>
-    </p:spTree>
-  </p:cSld>
-  <p:clrMapOvr>
-    <a:masterClrMapping/>
-  </p:clrMapOvr>
-</p:sld>
-</file>
-
-<file path=ppt/slides/slide13.xml><?xml version="1.0" encoding="utf-8"?>
-<p:sld xmlns:a="http://schemas.openxmlformats.org/drawingml/2006/main" xmlns:r="http://schemas.openxmlformats.org/officeDocument/2006/relationships" xmlns:p="http://schemas.openxmlformats.org/presentationml/2006/main">
-  <p:cSld name="Slide 13">
-    <p:spTree>
-      <p:nvGrpSpPr>
-        <p:cNvPr id="1" name=""/>
-        <p:cNvGrpSpPr/>
-        <p:nvPr/>
-      </p:nvGrpSpPr>
-      <p:grpSpPr>
-        <a:xfrm>
-          <a:off x="0" y="0"/>
-          <a:ext cx="0" cy="0"/>
-          <a:chOff x="0" y="0"/>
-          <a:chExt cx="0" cy="0"/>
-        </a:xfrm>
-      </p:grpSpPr>
-      <p:sp>
-        <p:nvSpPr>
-          <p:cNvPr id="2" name="Text 0"/>
+            <a:pPr algn="ctr"/>
+            <a:endParaRPr lang="en-US" sz="2500" dirty="0"/>
+          </a:p>
+        </p:txBody>
+      </p:sp>
+      <p:sp>
+        <p:nvSpPr>
+          <p:cNvPr id="6" name="Text 4"/>
           <p:cNvSpPr/>
           <p:nvPr/>
         </p:nvSpPr>
         <p:spPr>
           <a:xfrm>
-            <a:off x="0" y="0"/>
-            <a:ext cx="6858000" cy="0"/>
+            <a:off x="0" y="914400"/>
+            <a:ext cx="9144000" cy="1371600"/>
           </a:xfrm>
           <a:prstGeom prst="rect">
             <a:avLst/>
@@ -2165,7 +1179,42 @@
           <a:bodyPr wrap="square" rtlCol="0" anchor="ctr"/>
           <a:lstStyle/>
           <a:p>
-            <a:endParaRPr lang="en-US" dirty="0"/>
+            <a:pPr algn="ctr"/>
+            <a:r>
+              <a:rPr lang="en-US" sz="2500" dirty="0">
+                <a:solidFill>
+                  <a:srgbClr val="000000"/>
+                </a:solidFill>
+              </a:rPr>
+              <a:t> Marpit is the skinny framework for creating slide deck from Markdown.</a:t>
+            </a:r>
+            <a:endParaRPr lang="en-US" sz="2500" dirty="0"/>
+          </a:p>
+        </p:txBody>
+      </p:sp>
+      <p:sp>
+        <p:nvSpPr>
+          <p:cNvPr id="7" name="Text 5"/>
+          <p:cNvSpPr/>
+          <p:nvPr/>
+        </p:nvSpPr>
+        <p:spPr>
+          <a:xfrm>
+            <a:off x="0" y="1143000"/>
+            <a:ext cx="9144000" cy="1371600"/>
+          </a:xfrm>
+          <a:prstGeom prst="rect">
+            <a:avLst/>
+          </a:prstGeom>
+          <a:noFill/>
+          <a:ln/>
+        </p:spPr>
+        <p:txBody>
+          <a:bodyPr wrap="square" rtlCol="0" anchor="ctr"/>
+          <a:lstStyle/>
+          <a:p>
+            <a:pPr algn="ctr"/>
+            <a:endParaRPr lang="en-US" sz="2500" dirty="0"/>
           </a:p>
         </p:txBody>
       </p:sp>
@@ -2202,8 +1251,8 @@
         </p:nvSpPr>
         <p:spPr>
           <a:xfrm>
-            <a:off x="0" y="0"/>
-            <a:ext cx="6858000" cy="0"/>
+            <a:off x="0" y="137160"/>
+            <a:ext cx="9144000" cy="1371600"/>
           </a:xfrm>
           <a:prstGeom prst="rect">
             <a:avLst/>
@@ -2215,7 +1264,102 @@
           <a:bodyPr wrap="square" rtlCol="0" anchor="ctr"/>
           <a:lstStyle/>
           <a:p>
-            <a:endParaRPr lang="en-US" dirty="0"/>
+            <a:pPr algn="ctr"/>
+            <a:endParaRPr lang="en-US" sz="2500" dirty="0"/>
+          </a:p>
+        </p:txBody>
+      </p:sp>
+      <p:sp>
+        <p:nvSpPr>
+          <p:cNvPr id="3" name="Text 1"/>
+          <p:cNvSpPr/>
+          <p:nvPr/>
+        </p:nvSpPr>
+        <p:spPr>
+          <a:xfrm>
+            <a:off x="0" y="365760"/>
+            <a:ext cx="9144000" cy="457200"/>
+          </a:xfrm>
+          <a:prstGeom prst="rect">
+            <a:avLst/>
+          </a:prstGeom>
+          <a:noFill/>
+          <a:ln/>
+        </p:spPr>
+        <p:txBody>
+          <a:bodyPr wrap="square" rtlCol="0" anchor="ctr"/>
+          <a:lstStyle/>
+          <a:p>
+            <a:pPr algn="ctr"/>
+            <a:r>
+              <a:rPr lang="en-US" sz="5500" dirty="0">
+                <a:solidFill>
+                  <a:srgbClr val="000000"/>
+                </a:solidFill>
+              </a:rPr>
+              <a:t>## Ready to convert into PDF!</a:t>
+            </a:r>
+            <a:endParaRPr lang="en-US" sz="5500" dirty="0"/>
+          </a:p>
+        </p:txBody>
+      </p:sp>
+      <p:sp>
+        <p:nvSpPr>
+          <p:cNvPr id="4" name="Text 2"/>
+          <p:cNvSpPr/>
+          <p:nvPr/>
+        </p:nvSpPr>
+        <p:spPr>
+          <a:xfrm>
+            <a:off x="0" y="594360"/>
+            <a:ext cx="9144000" cy="1371600"/>
+          </a:xfrm>
+          <a:prstGeom prst="rect">
+            <a:avLst/>
+          </a:prstGeom>
+          <a:noFill/>
+          <a:ln/>
+        </p:spPr>
+        <p:txBody>
+          <a:bodyPr wrap="square" rtlCol="0" anchor="ctr"/>
+          <a:lstStyle/>
+          <a:p>
+            <a:pPr algn="ctr"/>
+            <a:endParaRPr lang="en-US" sz="2500" dirty="0"/>
+          </a:p>
+        </p:txBody>
+      </p:sp>
+      <p:sp>
+        <p:nvSpPr>
+          <p:cNvPr id="5" name="Text 3"/>
+          <p:cNvSpPr/>
+          <p:nvPr/>
+        </p:nvSpPr>
+        <p:spPr>
+          <a:xfrm>
+            <a:off x="0" y="822960"/>
+            <a:ext cx="9144000" cy="1371600"/>
+          </a:xfrm>
+          <a:prstGeom prst="rect">
+            <a:avLst/>
+          </a:prstGeom>
+          <a:noFill/>
+          <a:ln/>
+        </p:spPr>
+        <p:txBody>
+          <a:bodyPr wrap="square" rtlCol="0" anchor="ctr"/>
+          <a:lstStyle/>
+          <a:p>
+            <a:pPr algn="ctr"/>
+            <a:r>
+              <a:rPr lang="en-US" sz="2500" dirty="0">
+                <a:solidFill>
+                  <a:srgbClr val="000000"/>
+                </a:solidFill>
+              </a:rPr>
+              <a:t>You can convert into PDF slide deck through Chrome.</a:t>
+            </a:r>
+            <a:endParaRPr lang="en-US" sz="2500" dirty="0"/>
           </a:p>
         </p:txBody>
       </p:sp>
@@ -2252,8 +1396,8 @@
         </p:nvSpPr>
         <p:spPr>
           <a:xfrm>
-            <a:off x="0" y="0"/>
-            <a:ext cx="6858000" cy="0"/>
+            <a:off x="0" y="137160"/>
+            <a:ext cx="9144000" cy="457200"/>
           </a:xfrm>
           <a:prstGeom prst="rect">
             <a:avLst/>
@@ -2265,53 +1409,32 @@
           <a:bodyPr wrap="square" rtlCol="0" anchor="ctr"/>
           <a:lstStyle/>
           <a:p>
+            <a:pPr algn="ctr" marL="342900" indent="-342900">
+              <a:buSzPct val="100000"/>
+              <a:buChar char="•"/>
+            </a:pPr>
             <a:r>
-              <a:rPr lang="en-US" dirty="0">
+              <a:rPr lang="en-US" sz="3000" dirty="0">
                 <a:solidFill>
                   <a:srgbClr val="000000"/>
                 </a:solidFill>
               </a:rPr>
-              <a:t># Hello, Marpit!</a:t>
+              <a:t>- Revenue was off the chart.</a:t>
             </a:r>
-            <a:endParaRPr lang="en-US" dirty="0"/>
-          </a:p>
-        </p:txBody>
-      </p:sp>
-    </p:spTree>
-  </p:cSld>
-  <p:clrMapOvr>
-    <a:masterClrMapping/>
-  </p:clrMapOvr>
-</p:sld>
-</file>
-
-<file path=ppt/slides/slide4.xml><?xml version="1.0" encoding="utf-8"?>
-<p:sld xmlns:a="http://schemas.openxmlformats.org/drawingml/2006/main" xmlns:r="http://schemas.openxmlformats.org/officeDocument/2006/relationships" xmlns:p="http://schemas.openxmlformats.org/presentationml/2006/main">
-  <p:cSld name="Slide 4">
-    <p:spTree>
-      <p:nvGrpSpPr>
-        <p:cNvPr id="1" name=""/>
-        <p:cNvGrpSpPr/>
-        <p:nvPr/>
-      </p:nvGrpSpPr>
-      <p:grpSpPr>
-        <a:xfrm>
-          <a:off x="0" y="0"/>
-          <a:ext cx="0" cy="0"/>
-          <a:chOff x="0" y="0"/>
-          <a:chExt cx="0" cy="0"/>
-        </a:xfrm>
-      </p:grpSpPr>
-      <p:sp>
-        <p:nvSpPr>
-          <p:cNvPr id="2" name="Text 0"/>
+            <a:endParaRPr lang="en-US" sz="3000" dirty="0"/>
+          </a:p>
+        </p:txBody>
+      </p:sp>
+      <p:sp>
+        <p:nvSpPr>
+          <p:cNvPr id="3" name="Text 1"/>
           <p:cNvSpPr/>
           <p:nvPr/>
         </p:nvSpPr>
         <p:spPr>
           <a:xfrm>
-            <a:off x="0" y="0"/>
-            <a:ext cx="6858000" cy="0"/>
+            <a:off x="0" y="365760"/>
+            <a:ext cx="9144000" cy="1371600"/>
           </a:xfrm>
           <a:prstGeom prst="rect">
             <a:avLst/>
@@ -2323,45 +1446,21 @@
           <a:bodyPr wrap="square" rtlCol="0" anchor="ctr"/>
           <a:lstStyle/>
           <a:p>
-            <a:endParaRPr lang="en-US" dirty="0"/>
-          </a:p>
-        </p:txBody>
-      </p:sp>
-    </p:spTree>
-  </p:cSld>
-  <p:clrMapOvr>
-    <a:masterClrMapping/>
-  </p:clrMapOvr>
-</p:sld>
-</file>
-
-<file path=ppt/slides/slide5.xml><?xml version="1.0" encoding="utf-8"?>
-<p:sld xmlns:a="http://schemas.openxmlformats.org/drawingml/2006/main" xmlns:r="http://schemas.openxmlformats.org/officeDocument/2006/relationships" xmlns:p="http://schemas.openxmlformats.org/presentationml/2006/main">
-  <p:cSld name="Slide 5">
-    <p:spTree>
-      <p:nvGrpSpPr>
-        <p:cNvPr id="1" name=""/>
-        <p:cNvGrpSpPr/>
-        <p:nvPr/>
-      </p:nvGrpSpPr>
-      <p:grpSpPr>
-        <a:xfrm>
-          <a:off x="0" y="0"/>
-          <a:ext cx="0" cy="0"/>
-          <a:chOff x="0" y="0"/>
-          <a:chExt cx="0" cy="0"/>
-        </a:xfrm>
-      </p:grpSpPr>
-      <p:sp>
-        <p:nvSpPr>
-          <p:cNvPr id="2" name="Text 0"/>
+            <a:pPr algn="ctr"/>
+            <a:endParaRPr lang="en-US" sz="2500" dirty="0"/>
+          </a:p>
+        </p:txBody>
+      </p:sp>
+      <p:sp>
+        <p:nvSpPr>
+          <p:cNvPr id="4" name="Text 2"/>
           <p:cNvSpPr/>
           <p:nvPr/>
         </p:nvSpPr>
         <p:spPr>
           <a:xfrm>
-            <a:off x="0" y="0"/>
-            <a:ext cx="6858000" cy="0"/>
+            <a:off x="0" y="594360"/>
+            <a:ext cx="9144000" cy="1371600"/>
           </a:xfrm>
           <a:prstGeom prst="rect">
             <a:avLst/>
@@ -2373,231 +1472,8 @@
           <a:bodyPr wrap="square" rtlCol="0" anchor="ctr"/>
           <a:lstStyle/>
           <a:p>
-            <a:r>
-              <a:rPr lang="en-US" dirty="0">
-                <a:solidFill>
-                  <a:srgbClr val="000000"/>
-                </a:solidFill>
-              </a:rPr>
-              <a:t>Marpit is the skinny framework for creating slide deck from Markdown.</a:t>
-            </a:r>
-            <a:endParaRPr lang="en-US" dirty="0"/>
-          </a:p>
-        </p:txBody>
-      </p:sp>
-    </p:spTree>
-  </p:cSld>
-  <p:clrMapOvr>
-    <a:masterClrMapping/>
-  </p:clrMapOvr>
-</p:sld>
-</file>
-
-<file path=ppt/slides/slide6.xml><?xml version="1.0" encoding="utf-8"?>
-<p:sld xmlns:a="http://schemas.openxmlformats.org/drawingml/2006/main" xmlns:r="http://schemas.openxmlformats.org/officeDocument/2006/relationships" xmlns:p="http://schemas.openxmlformats.org/presentationml/2006/main">
-  <p:cSld name="Slide 6">
-    <p:spTree>
-      <p:nvGrpSpPr>
-        <p:cNvPr id="1" name=""/>
-        <p:cNvGrpSpPr/>
-        <p:nvPr/>
-      </p:nvGrpSpPr>
-      <p:grpSpPr>
-        <a:xfrm>
-          <a:off x="0" y="0"/>
-          <a:ext cx="0" cy="0"/>
-          <a:chOff x="0" y="0"/>
-          <a:chExt cx="0" cy="0"/>
-        </a:xfrm>
-      </p:grpSpPr>
-      <p:sp>
-        <p:nvSpPr>
-          <p:cNvPr id="2" name="Text 0"/>
-          <p:cNvSpPr/>
-          <p:nvPr/>
-        </p:nvSpPr>
-        <p:spPr>
-          <a:xfrm>
-            <a:off x="0" y="0"/>
-            <a:ext cx="6858000" cy="0"/>
-          </a:xfrm>
-          <a:prstGeom prst="rect">
-            <a:avLst/>
-          </a:prstGeom>
-          <a:noFill/>
-          <a:ln/>
-        </p:spPr>
-        <p:txBody>
-          <a:bodyPr wrap="square" rtlCol="0" anchor="ctr"/>
-          <a:lstStyle/>
-          <a:p>
-            <a:endParaRPr lang="en-US" dirty="0"/>
-          </a:p>
-        </p:txBody>
-      </p:sp>
-    </p:spTree>
-  </p:cSld>
-  <p:clrMapOvr>
-    <a:masterClrMapping/>
-  </p:clrMapOvr>
-</p:sld>
-</file>
-
-<file path=ppt/slides/slide7.xml><?xml version="1.0" encoding="utf-8"?>
-<p:sld xmlns:a="http://schemas.openxmlformats.org/drawingml/2006/main" xmlns:r="http://schemas.openxmlformats.org/officeDocument/2006/relationships" xmlns:p="http://schemas.openxmlformats.org/presentationml/2006/main">
-  <p:cSld name="Slide 7">
-    <p:spTree>
-      <p:nvGrpSpPr>
-        <p:cNvPr id="1" name=""/>
-        <p:cNvGrpSpPr/>
-        <p:nvPr/>
-      </p:nvGrpSpPr>
-      <p:grpSpPr>
-        <a:xfrm>
-          <a:off x="0" y="0"/>
-          <a:ext cx="0" cy="0"/>
-          <a:chOff x="0" y="0"/>
-          <a:chExt cx="0" cy="0"/>
-        </a:xfrm>
-      </p:grpSpPr>
-      <p:sp>
-        <p:nvSpPr>
-          <p:cNvPr id="2" name="Text 0"/>
-          <p:cNvSpPr/>
-          <p:nvPr/>
-        </p:nvSpPr>
-        <p:spPr>
-          <a:xfrm>
-            <a:off x="0" y="0"/>
-            <a:ext cx="6858000" cy="0"/>
-          </a:xfrm>
-          <a:prstGeom prst="rect">
-            <a:avLst/>
-          </a:prstGeom>
-          <a:noFill/>
-          <a:ln/>
-        </p:spPr>
-        <p:txBody>
-          <a:bodyPr wrap="square" rtlCol="0" anchor="ctr"/>
-          <a:lstStyle/>
-          <a:p>
-            <a:r>
-              <a:rPr lang="en-US" dirty="0">
-                <a:solidFill>
-                  <a:srgbClr val="000000"/>
-                </a:solidFill>
-              </a:rPr>
-              <a:t>---</a:t>
-            </a:r>
-            <a:endParaRPr lang="en-US" dirty="0"/>
-          </a:p>
-        </p:txBody>
-      </p:sp>
-    </p:spTree>
-  </p:cSld>
-  <p:clrMapOvr>
-    <a:masterClrMapping/>
-  </p:clrMapOvr>
-</p:sld>
-</file>
-
-<file path=ppt/slides/slide8.xml><?xml version="1.0" encoding="utf-8"?>
-<p:sld xmlns:a="http://schemas.openxmlformats.org/drawingml/2006/main" xmlns:r="http://schemas.openxmlformats.org/officeDocument/2006/relationships" xmlns:p="http://schemas.openxmlformats.org/presentationml/2006/main">
-  <p:cSld name="Slide 8">
-    <p:spTree>
-      <p:nvGrpSpPr>
-        <p:cNvPr id="1" name=""/>
-        <p:cNvGrpSpPr/>
-        <p:nvPr/>
-      </p:nvGrpSpPr>
-      <p:grpSpPr>
-        <a:xfrm>
-          <a:off x="0" y="0"/>
-          <a:ext cx="0" cy="0"/>
-          <a:chOff x="0" y="0"/>
-          <a:chExt cx="0" cy="0"/>
-        </a:xfrm>
-      </p:grpSpPr>
-      <p:sp>
-        <p:nvSpPr>
-          <p:cNvPr id="2" name="Text 0"/>
-          <p:cNvSpPr/>
-          <p:nvPr/>
-        </p:nvSpPr>
-        <p:spPr>
-          <a:xfrm>
-            <a:off x="0" y="0"/>
-            <a:ext cx="6858000" cy="0"/>
-          </a:xfrm>
-          <a:prstGeom prst="rect">
-            <a:avLst/>
-          </a:prstGeom>
-          <a:noFill/>
-          <a:ln/>
-        </p:spPr>
-        <p:txBody>
-          <a:bodyPr wrap="square" rtlCol="0" anchor="ctr"/>
-          <a:lstStyle/>
-          <a:p>
-            <a:endParaRPr lang="en-US" dirty="0"/>
-          </a:p>
-        </p:txBody>
-      </p:sp>
-    </p:spTree>
-  </p:cSld>
-  <p:clrMapOvr>
-    <a:masterClrMapping/>
-  </p:clrMapOvr>
-</p:sld>
-</file>
-
-<file path=ppt/slides/slide9.xml><?xml version="1.0" encoding="utf-8"?>
-<p:sld xmlns:a="http://schemas.openxmlformats.org/drawingml/2006/main" xmlns:r="http://schemas.openxmlformats.org/officeDocument/2006/relationships" xmlns:p="http://schemas.openxmlformats.org/presentationml/2006/main">
-  <p:cSld name="Slide 9">
-    <p:spTree>
-      <p:nvGrpSpPr>
-        <p:cNvPr id="1" name=""/>
-        <p:cNvGrpSpPr/>
-        <p:nvPr/>
-      </p:nvGrpSpPr>
-      <p:grpSpPr>
-        <a:xfrm>
-          <a:off x="0" y="0"/>
-          <a:ext cx="0" cy="0"/>
-          <a:chOff x="0" y="0"/>
-          <a:chExt cx="0" cy="0"/>
-        </a:xfrm>
-      </p:grpSpPr>
-      <p:sp>
-        <p:nvSpPr>
-          <p:cNvPr id="2" name="Text 0"/>
-          <p:cNvSpPr/>
-          <p:nvPr/>
-        </p:nvSpPr>
-        <p:spPr>
-          <a:xfrm>
-            <a:off x="0" y="0"/>
-            <a:ext cx="6858000" cy="0"/>
-          </a:xfrm>
-          <a:prstGeom prst="rect">
-            <a:avLst/>
-          </a:prstGeom>
-          <a:noFill/>
-          <a:ln/>
-        </p:spPr>
-        <p:txBody>
-          <a:bodyPr wrap="square" rtlCol="0" anchor="ctr"/>
-          <a:lstStyle/>
-          <a:p>
-            <a:r>
-              <a:rPr lang="en-US" dirty="0">
-                <a:solidFill>
-                  <a:srgbClr val="000000"/>
-                </a:solidFill>
-              </a:rPr>
-              <a:t>## Ready to convert into PDF!</a:t>
-            </a:r>
-            <a:endParaRPr lang="en-US" dirty="0"/>
+            <a:pPr algn="ctr"/>
+            <a:endParaRPr lang="en-US" sz="2500" dirty="0"/>
           </a:p>
         </p:txBody>
       </p:sp>

--- a/Presentation.pptx
+++ b/Presentation.pptx
@@ -1067,8 +1067,10 @@
           <a:bodyPr wrap="square" rtlCol="0" anchor="ctr"/>
           <a:lstStyle/>
           <a:p>
-            <a:pPr algn="ctr"/>
-            <a:endParaRPr lang="en-US" sz="2500" dirty="0"/>
+            <a:pPr algn="ctr" indent="0" marL="0">
+              <a:buNone/>
+            </a:pPr>
+            <a:endParaRPr lang="en-US" dirty="0"/>
           </a:p>
         </p:txBody>
       </p:sp>
@@ -1093,8 +1095,10 @@
           <a:bodyPr wrap="square" rtlCol="0" anchor="ctr"/>
           <a:lstStyle/>
           <a:p>
-            <a:pPr algn="ctr"/>
-            <a:endParaRPr lang="en-US" sz="2500" dirty="0"/>
+            <a:pPr algn="ctr" indent="0" marL="0">
+              <a:buNone/>
+            </a:pPr>
+            <a:endParaRPr lang="en-US" dirty="0"/>
           </a:p>
         </p:txBody>
       </p:sp>
@@ -1119,14 +1123,16 @@
           <a:bodyPr wrap="square" rtlCol="0" anchor="ctr"/>
           <a:lstStyle/>
           <a:p>
-            <a:pPr algn="ctr"/>
+            <a:pPr algn="ctr" indent="0" marL="0">
+              <a:buNone/>
+            </a:pPr>
             <a:r>
-              <a:rPr lang="en-US" sz="5500" dirty="0">
+              <a:rPr lang="en-US" sz="5500" b="0" dirty="0">
                 <a:solidFill>
                   <a:srgbClr val="000000"/>
                 </a:solidFill>
               </a:rPr>
-              <a:t># Hello, Marpit!</a:t>
+              <a:t> Hello, Marpit!</a:t>
             </a:r>
             <a:endParaRPr lang="en-US" sz="5500" dirty="0"/>
           </a:p>
@@ -1153,8 +1159,10 @@
           <a:bodyPr wrap="square" rtlCol="0" anchor="ctr"/>
           <a:lstStyle/>
           <a:p>
-            <a:pPr algn="ctr"/>
-            <a:endParaRPr lang="en-US" sz="2500" dirty="0"/>
+            <a:pPr algn="ctr" indent="0" marL="0">
+              <a:buNone/>
+            </a:pPr>
+            <a:endParaRPr lang="en-US" dirty="0"/>
           </a:p>
         </p:txBody>
       </p:sp>
@@ -1179,16 +1187,18 @@
           <a:bodyPr wrap="square" rtlCol="0" anchor="ctr"/>
           <a:lstStyle/>
           <a:p>
-            <a:pPr algn="ctr"/>
+            <a:pPr algn="ctr" indent="0" marL="0">
+              <a:buNone/>
+            </a:pPr>
             <a:r>
-              <a:rPr lang="en-US" sz="2500" dirty="0">
+              <a:rPr lang="en-US" b="0" dirty="0">
                 <a:solidFill>
                   <a:srgbClr val="000000"/>
                 </a:solidFill>
               </a:rPr>
               <a:t> Marpit is the skinny framework for creating slide deck from Markdown.</a:t>
             </a:r>
-            <a:endParaRPr lang="en-US" sz="2500" dirty="0"/>
+            <a:endParaRPr lang="en-US" dirty="0"/>
           </a:p>
         </p:txBody>
       </p:sp>
@@ -1213,8 +1223,10 @@
           <a:bodyPr wrap="square" rtlCol="0" anchor="ctr"/>
           <a:lstStyle/>
           <a:p>
-            <a:pPr algn="ctr"/>
-            <a:endParaRPr lang="en-US" sz="2500" dirty="0"/>
+            <a:pPr algn="ctr" indent="0" marL="0">
+              <a:buNone/>
+            </a:pPr>
+            <a:endParaRPr lang="en-US" dirty="0"/>
           </a:p>
         </p:txBody>
       </p:sp>
@@ -1264,8 +1276,10 @@
           <a:bodyPr wrap="square" rtlCol="0" anchor="ctr"/>
           <a:lstStyle/>
           <a:p>
-            <a:pPr algn="ctr"/>
-            <a:endParaRPr lang="en-US" sz="2500" dirty="0"/>
+            <a:pPr algn="ctr" indent="0" marL="0">
+              <a:buNone/>
+            </a:pPr>
+            <a:endParaRPr lang="en-US" dirty="0"/>
           </a:p>
         </p:txBody>
       </p:sp>
@@ -1278,7 +1292,7 @@
         <p:spPr>
           <a:xfrm>
             <a:off x="0" y="365760"/>
-            <a:ext cx="9144000" cy="457200"/>
+            <a:ext cx="9144000" cy="365760"/>
           </a:xfrm>
           <a:prstGeom prst="rect">
             <a:avLst/>
@@ -1290,16 +1304,18 @@
           <a:bodyPr wrap="square" rtlCol="0" anchor="ctr"/>
           <a:lstStyle/>
           <a:p>
-            <a:pPr algn="ctr"/>
+            <a:pPr algn="ctr" indent="0" marL="0">
+              <a:buNone/>
+            </a:pPr>
             <a:r>
-              <a:rPr lang="en-US" sz="5500" dirty="0">
+              <a:rPr lang="en-US" sz="5000" b="0" dirty="0">
                 <a:solidFill>
                   <a:srgbClr val="000000"/>
                 </a:solidFill>
               </a:rPr>
-              <a:t>## Ready to convert into PDF!</a:t>
+              <a:t> Ready to convert into PDF!</a:t>
             </a:r>
-            <a:endParaRPr lang="en-US" sz="5500" dirty="0"/>
+            <a:endParaRPr lang="en-US" sz="5000" dirty="0"/>
           </a:p>
         </p:txBody>
       </p:sp>
@@ -1324,8 +1340,10 @@
           <a:bodyPr wrap="square" rtlCol="0" anchor="ctr"/>
           <a:lstStyle/>
           <a:p>
-            <a:pPr algn="ctr"/>
-            <a:endParaRPr lang="en-US" sz="2500" dirty="0"/>
+            <a:pPr algn="ctr" indent="0" marL="0">
+              <a:buNone/>
+            </a:pPr>
+            <a:endParaRPr lang="en-US" dirty="0"/>
           </a:p>
         </p:txBody>
       </p:sp>
@@ -1350,16 +1368,18 @@
           <a:bodyPr wrap="square" rtlCol="0" anchor="ctr"/>
           <a:lstStyle/>
           <a:p>
-            <a:pPr algn="ctr"/>
+            <a:pPr algn="ctr" indent="0" marL="0">
+              <a:buNone/>
+            </a:pPr>
             <a:r>
-              <a:rPr lang="en-US" sz="2500" dirty="0">
+              <a:rPr lang="en-US" b="0" dirty="0">
                 <a:solidFill>
                   <a:srgbClr val="000000"/>
                 </a:solidFill>
               </a:rPr>
               <a:t>You can convert into PDF slide deck through Chrome.</a:t>
             </a:r>
-            <a:endParaRPr lang="en-US" sz="2500" dirty="0"/>
+            <a:endParaRPr lang="en-US" dirty="0"/>
           </a:p>
         </p:txBody>
       </p:sp>
@@ -1397,43 +1417,6 @@
         <p:spPr>
           <a:xfrm>
             <a:off x="0" y="137160"/>
-            <a:ext cx="9144000" cy="457200"/>
-          </a:xfrm>
-          <a:prstGeom prst="rect">
-            <a:avLst/>
-          </a:prstGeom>
-          <a:noFill/>
-          <a:ln/>
-        </p:spPr>
-        <p:txBody>
-          <a:bodyPr wrap="square" rtlCol="0" anchor="ctr"/>
-          <a:lstStyle/>
-          <a:p>
-            <a:pPr algn="ctr" marL="342900" indent="-342900">
-              <a:buSzPct val="100000"/>
-              <a:buChar char="•"/>
-            </a:pPr>
-            <a:r>
-              <a:rPr lang="en-US" sz="3000" dirty="0">
-                <a:solidFill>
-                  <a:srgbClr val="000000"/>
-                </a:solidFill>
-              </a:rPr>
-              <a:t>- Revenue was off the chart.</a:t>
-            </a:r>
-            <a:endParaRPr lang="en-US" sz="3000" dirty="0"/>
-          </a:p>
-        </p:txBody>
-      </p:sp>
-      <p:sp>
-        <p:nvSpPr>
-          <p:cNvPr id="3" name="Text 1"/>
-          <p:cNvSpPr/>
-          <p:nvPr/>
-        </p:nvSpPr>
-        <p:spPr>
-          <a:xfrm>
-            <a:off x="0" y="365760"/>
             <a:ext cx="9144000" cy="1371600"/>
           </a:xfrm>
           <a:prstGeom prst="rect">
@@ -1446,20 +1429,68 @@
           <a:bodyPr wrap="square" rtlCol="0" anchor="ctr"/>
           <a:lstStyle/>
           <a:p>
-            <a:pPr algn="ctr"/>
+            <a:pPr algn="ctr" marL="342900" indent="-342900">
+              <a:buSzPct val="100000"/>
+              <a:buChar char="•"/>
+            </a:pPr>
             <a:endParaRPr lang="en-US" sz="2500" dirty="0"/>
           </a:p>
-        </p:txBody>
-      </p:sp>
-      <p:sp>
-        <p:nvSpPr>
-          <p:cNvPr id="4" name="Text 2"/>
+          <a:p>
+            <a:pPr algn="ctr" marL="342900" indent="-342900">
+              <a:buSzPct val="100000"/>
+              <a:buChar char="•"/>
+            </a:pPr>
+            <a:r>
+              <a:rPr lang="en-US" sz="2500" b="0" dirty="0">
+                <a:solidFill>
+                  <a:srgbClr val="000000"/>
+                </a:solidFill>
+              </a:rPr>
+              <a:t> list item1.</a:t>
+            </a:r>
+            <a:endParaRPr lang="en-US" sz="2500" dirty="0"/>
+          </a:p>
+          <a:p>
+            <a:pPr algn="ctr" marL="342900" indent="-342900">
+              <a:buSzPct val="100000"/>
+              <a:buChar char="•"/>
+            </a:pPr>
+            <a:r>
+              <a:rPr lang="en-US" sz="2500" b="0" dirty="0">
+                <a:solidFill>
+                  <a:srgbClr val="000000"/>
+                </a:solidFill>
+              </a:rPr>
+              <a:t> list item2.</a:t>
+            </a:r>
+            <a:endParaRPr lang="en-US" sz="2500" dirty="0"/>
+          </a:p>
+          <a:p>
+            <a:pPr algn="ctr" marL="342900" indent="-342900">
+              <a:buSzPct val="100000"/>
+              <a:buChar char="•"/>
+            </a:pPr>
+            <a:r>
+              <a:rPr lang="en-US" sz="2500" b="0" dirty="0">
+                <a:solidFill>
+                  <a:srgbClr val="000000"/>
+                </a:solidFill>
+              </a:rPr>
+              <a:t> list item3.</a:t>
+            </a:r>
+            <a:endParaRPr lang="en-US" sz="2500" dirty="0"/>
+          </a:p>
+        </p:txBody>
+      </p:sp>
+      <p:sp>
+        <p:nvSpPr>
+          <p:cNvPr id="3" name="Text 1"/>
           <p:cNvSpPr/>
           <p:nvPr/>
         </p:nvSpPr>
         <p:spPr>
           <a:xfrm>
-            <a:off x="0" y="594360"/>
+            <a:off x="0" y="1234440"/>
             <a:ext cx="9144000" cy="1371600"/>
           </a:xfrm>
           <a:prstGeom prst="rect">
@@ -1472,8 +1503,46 @@
           <a:bodyPr wrap="square" rtlCol="0" anchor="ctr"/>
           <a:lstStyle/>
           <a:p>
-            <a:pPr algn="ctr"/>
-            <a:endParaRPr lang="en-US" sz="2500" dirty="0"/>
+            <a:pPr algn="ctr" indent="0" marL="0">
+              <a:buNone/>
+            </a:pPr>
+            <a:r>
+              <a:rPr lang="en-US" b="0" dirty="0">
+                <a:solidFill>
+                  <a:srgbClr val="000000"/>
+                </a:solidFill>
+              </a:rPr>
+              <a:t>texto normal</a:t>
+            </a:r>
+            <a:endParaRPr lang="en-US" dirty="0"/>
+          </a:p>
+        </p:txBody>
+      </p:sp>
+      <p:sp>
+        <p:nvSpPr>
+          <p:cNvPr id="4" name="Text 2"/>
+          <p:cNvSpPr/>
+          <p:nvPr/>
+        </p:nvSpPr>
+        <p:spPr>
+          <a:xfrm>
+            <a:off x="0" y="1463040"/>
+            <a:ext cx="9144000" cy="1371600"/>
+          </a:xfrm>
+          <a:prstGeom prst="rect">
+            <a:avLst/>
+          </a:prstGeom>
+          <a:noFill/>
+          <a:ln/>
+        </p:spPr>
+        <p:txBody>
+          <a:bodyPr wrap="square" rtlCol="0" anchor="ctr"/>
+          <a:lstStyle/>
+          <a:p>
+            <a:pPr algn="ctr" indent="0" marL="0">
+              <a:buNone/>
+            </a:pPr>
+            <a:endParaRPr lang="en-US" dirty="0"/>
           </a:p>
         </p:txBody>
       </p:sp>
